--- a/2021년 6월 12일 도면해석자동화.pptx
+++ b/2021년 6월 12일 도면해석자동화.pptx
@@ -141,7 +141,7 @@
   </p:defaultTextStyle>
   <p:extLst>
     <p:ext uri="{EFAFB233-063F-42B5-8137-9DF3F51BA10A}">
-      <p15:sldGuideLst xmlns="" xmlns:p15="http://schemas.microsoft.com/office/powerpoint/2012/main">
+      <p15:sldGuideLst xmlns:p15="http://schemas.microsoft.com/office/powerpoint/2012/main" xmlns="">
         <p15:guide id="1" orient="horz" pos="2183" userDrawn="1">
           <p15:clr>
             <a:srgbClr val="A4A3A4"/>
@@ -241,7 +241,7 @@
             <a:fld id="{6A362C80-AE36-4E76-B3A2-B93715BD75DF}" type="datetimeFigureOut">
               <a:rPr lang="ko-KR" altLang="en-US" smtClean="0"/>
               <a:pPr/>
-              <a:t>2021-06-11</a:t>
+              <a:t>2021-06-12</a:t>
             </a:fld>
             <a:endParaRPr lang="ko-KR" altLang="en-US"/>
           </a:p>
@@ -637,7 +637,7 @@
             <a:fld id="{3AC7D0C1-D5FE-48CB-AEB6-E9E3D1C2E343}" type="datetimeFigureOut">
               <a:rPr lang="ko-KR" altLang="en-US" smtClean="0"/>
               <a:pPr/>
-              <a:t>2021-06-11</a:t>
+              <a:t>2021-06-12</a:t>
             </a:fld>
             <a:endParaRPr lang="ko-KR" altLang="en-US"/>
           </a:p>
@@ -689,7 +689,7 @@
     </p:spTree>
     <p:extLst>
       <p:ext uri="{BB962C8B-B14F-4D97-AF65-F5344CB8AC3E}">
-        <p14:creationId xmlns="" xmlns:p14="http://schemas.microsoft.com/office/powerpoint/2010/main" val="1823638458"/>
+        <p14:creationId xmlns:p14="http://schemas.microsoft.com/office/powerpoint/2010/main" xmlns="" val="1823638458"/>
       </p:ext>
     </p:extLst>
   </p:cSld>
@@ -807,7 +807,7 @@
             <a:fld id="{3AC7D0C1-D5FE-48CB-AEB6-E9E3D1C2E343}" type="datetimeFigureOut">
               <a:rPr lang="ko-KR" altLang="en-US" smtClean="0"/>
               <a:pPr/>
-              <a:t>2021-06-11</a:t>
+              <a:t>2021-06-12</a:t>
             </a:fld>
             <a:endParaRPr lang="ko-KR" altLang="en-US"/>
           </a:p>
@@ -859,7 +859,7 @@
     </p:spTree>
     <p:extLst>
       <p:ext uri="{BB962C8B-B14F-4D97-AF65-F5344CB8AC3E}">
-        <p14:creationId xmlns="" xmlns:p14="http://schemas.microsoft.com/office/powerpoint/2010/main" val="1781722897"/>
+        <p14:creationId xmlns:p14="http://schemas.microsoft.com/office/powerpoint/2010/main" xmlns="" val="1781722897"/>
       </p:ext>
     </p:extLst>
   </p:cSld>
@@ -987,7 +987,7 @@
             <a:fld id="{3AC7D0C1-D5FE-48CB-AEB6-E9E3D1C2E343}" type="datetimeFigureOut">
               <a:rPr lang="ko-KR" altLang="en-US" smtClean="0"/>
               <a:pPr/>
-              <a:t>2021-06-11</a:t>
+              <a:t>2021-06-12</a:t>
             </a:fld>
             <a:endParaRPr lang="ko-KR" altLang="en-US"/>
           </a:p>
@@ -1039,7 +1039,7 @@
     </p:spTree>
     <p:extLst>
       <p:ext uri="{BB962C8B-B14F-4D97-AF65-F5344CB8AC3E}">
-        <p14:creationId xmlns="" xmlns:p14="http://schemas.microsoft.com/office/powerpoint/2010/main" val="1329840432"/>
+        <p14:creationId xmlns:p14="http://schemas.microsoft.com/office/powerpoint/2010/main" xmlns="" val="1329840432"/>
       </p:ext>
     </p:extLst>
   </p:cSld>
@@ -1157,7 +1157,7 @@
             <a:fld id="{3AC7D0C1-D5FE-48CB-AEB6-E9E3D1C2E343}" type="datetimeFigureOut">
               <a:rPr lang="ko-KR" altLang="en-US" smtClean="0"/>
               <a:pPr/>
-              <a:t>2021-06-11</a:t>
+              <a:t>2021-06-12</a:t>
             </a:fld>
             <a:endParaRPr lang="ko-KR" altLang="en-US"/>
           </a:p>
@@ -1209,7 +1209,7 @@
     </p:spTree>
     <p:extLst>
       <p:ext uri="{BB962C8B-B14F-4D97-AF65-F5344CB8AC3E}">
-        <p14:creationId xmlns="" xmlns:p14="http://schemas.microsoft.com/office/powerpoint/2010/main" val="1416330142"/>
+        <p14:creationId xmlns:p14="http://schemas.microsoft.com/office/powerpoint/2010/main" xmlns="" val="1416330142"/>
       </p:ext>
     </p:extLst>
   </p:cSld>
@@ -1404,7 +1404,7 @@
             <a:fld id="{3AC7D0C1-D5FE-48CB-AEB6-E9E3D1C2E343}" type="datetimeFigureOut">
               <a:rPr lang="ko-KR" altLang="en-US" smtClean="0"/>
               <a:pPr/>
-              <a:t>2021-06-11</a:t>
+              <a:t>2021-06-12</a:t>
             </a:fld>
             <a:endParaRPr lang="ko-KR" altLang="en-US"/>
           </a:p>
@@ -1456,7 +1456,7 @@
     </p:spTree>
     <p:extLst>
       <p:ext uri="{BB962C8B-B14F-4D97-AF65-F5344CB8AC3E}">
-        <p14:creationId xmlns="" xmlns:p14="http://schemas.microsoft.com/office/powerpoint/2010/main" val="655722256"/>
+        <p14:creationId xmlns:p14="http://schemas.microsoft.com/office/powerpoint/2010/main" xmlns="" val="655722256"/>
       </p:ext>
     </p:extLst>
   </p:cSld>
@@ -1635,7 +1635,7 @@
             <a:fld id="{3AC7D0C1-D5FE-48CB-AEB6-E9E3D1C2E343}" type="datetimeFigureOut">
               <a:rPr lang="ko-KR" altLang="en-US" smtClean="0"/>
               <a:pPr/>
-              <a:t>2021-06-11</a:t>
+              <a:t>2021-06-12</a:t>
             </a:fld>
             <a:endParaRPr lang="ko-KR" altLang="en-US"/>
           </a:p>
@@ -1687,7 +1687,7 @@
     </p:spTree>
     <p:extLst>
       <p:ext uri="{BB962C8B-B14F-4D97-AF65-F5344CB8AC3E}">
-        <p14:creationId xmlns="" xmlns:p14="http://schemas.microsoft.com/office/powerpoint/2010/main" val="459837990"/>
+        <p14:creationId xmlns:p14="http://schemas.microsoft.com/office/powerpoint/2010/main" xmlns="" val="459837990"/>
       </p:ext>
     </p:extLst>
   </p:cSld>
@@ -2001,7 +2001,7 @@
             <a:fld id="{3AC7D0C1-D5FE-48CB-AEB6-E9E3D1C2E343}" type="datetimeFigureOut">
               <a:rPr lang="ko-KR" altLang="en-US" smtClean="0"/>
               <a:pPr/>
-              <a:t>2021-06-11</a:t>
+              <a:t>2021-06-12</a:t>
             </a:fld>
             <a:endParaRPr lang="ko-KR" altLang="en-US"/>
           </a:p>
@@ -2053,7 +2053,7 @@
     </p:spTree>
     <p:extLst>
       <p:ext uri="{BB962C8B-B14F-4D97-AF65-F5344CB8AC3E}">
-        <p14:creationId xmlns="" xmlns:p14="http://schemas.microsoft.com/office/powerpoint/2010/main" val="2641639093"/>
+        <p14:creationId xmlns:p14="http://schemas.microsoft.com/office/powerpoint/2010/main" xmlns="" val="2641639093"/>
       </p:ext>
     </p:extLst>
   </p:cSld>
@@ -2120,7 +2120,7 @@
             <a:fld id="{3AC7D0C1-D5FE-48CB-AEB6-E9E3D1C2E343}" type="datetimeFigureOut">
               <a:rPr lang="ko-KR" altLang="en-US" smtClean="0"/>
               <a:pPr/>
-              <a:t>2021-06-11</a:t>
+              <a:t>2021-06-12</a:t>
             </a:fld>
             <a:endParaRPr lang="ko-KR" altLang="en-US"/>
           </a:p>
@@ -2172,7 +2172,7 @@
     </p:spTree>
     <p:extLst>
       <p:ext uri="{BB962C8B-B14F-4D97-AF65-F5344CB8AC3E}">
-        <p14:creationId xmlns="" xmlns:p14="http://schemas.microsoft.com/office/powerpoint/2010/main" val="217537536"/>
+        <p14:creationId xmlns:p14="http://schemas.microsoft.com/office/powerpoint/2010/main" xmlns="" val="217537536"/>
       </p:ext>
     </p:extLst>
   </p:cSld>
@@ -2217,7 +2217,7 @@
             <a:fld id="{3AC7D0C1-D5FE-48CB-AEB6-E9E3D1C2E343}" type="datetimeFigureOut">
               <a:rPr lang="ko-KR" altLang="en-US" smtClean="0"/>
               <a:pPr/>
-              <a:t>2021-06-11</a:t>
+              <a:t>2021-06-12</a:t>
             </a:fld>
             <a:endParaRPr lang="ko-KR" altLang="en-US"/>
           </a:p>
@@ -2269,7 +2269,7 @@
     </p:spTree>
     <p:extLst>
       <p:ext uri="{BB962C8B-B14F-4D97-AF65-F5344CB8AC3E}">
-        <p14:creationId xmlns="" xmlns:p14="http://schemas.microsoft.com/office/powerpoint/2010/main" val="952981668"/>
+        <p14:creationId xmlns:p14="http://schemas.microsoft.com/office/powerpoint/2010/main" xmlns="" val="952981668"/>
       </p:ext>
     </p:extLst>
   </p:cSld>
@@ -2494,7 +2494,7 @@
             <a:fld id="{3AC7D0C1-D5FE-48CB-AEB6-E9E3D1C2E343}" type="datetimeFigureOut">
               <a:rPr lang="ko-KR" altLang="en-US" smtClean="0"/>
               <a:pPr/>
-              <a:t>2021-06-11</a:t>
+              <a:t>2021-06-12</a:t>
             </a:fld>
             <a:endParaRPr lang="ko-KR" altLang="en-US"/>
           </a:p>
@@ -2546,7 +2546,7 @@
     </p:spTree>
     <p:extLst>
       <p:ext uri="{BB962C8B-B14F-4D97-AF65-F5344CB8AC3E}">
-        <p14:creationId xmlns="" xmlns:p14="http://schemas.microsoft.com/office/powerpoint/2010/main" val="2227975819"/>
+        <p14:creationId xmlns:p14="http://schemas.microsoft.com/office/powerpoint/2010/main" xmlns="" val="2227975819"/>
       </p:ext>
     </p:extLst>
   </p:cSld>
@@ -2748,7 +2748,7 @@
             <a:fld id="{3AC7D0C1-D5FE-48CB-AEB6-E9E3D1C2E343}" type="datetimeFigureOut">
               <a:rPr lang="ko-KR" altLang="en-US" smtClean="0"/>
               <a:pPr/>
-              <a:t>2021-06-11</a:t>
+              <a:t>2021-06-12</a:t>
             </a:fld>
             <a:endParaRPr lang="ko-KR" altLang="en-US"/>
           </a:p>
@@ -2800,7 +2800,7 @@
     </p:spTree>
     <p:extLst>
       <p:ext uri="{BB962C8B-B14F-4D97-AF65-F5344CB8AC3E}">
-        <p14:creationId xmlns="" xmlns:p14="http://schemas.microsoft.com/office/powerpoint/2010/main" val="3028947436"/>
+        <p14:creationId xmlns:p14="http://schemas.microsoft.com/office/powerpoint/2010/main" xmlns="" val="3028947436"/>
       </p:ext>
     </p:extLst>
   </p:cSld>
@@ -2961,7 +2961,7 @@
             <a:fld id="{3AC7D0C1-D5FE-48CB-AEB6-E9E3D1C2E343}" type="datetimeFigureOut">
               <a:rPr lang="ko-KR" altLang="en-US" smtClean="0"/>
               <a:pPr/>
-              <a:t>2021-06-11</a:t>
+              <a:t>2021-06-12</a:t>
             </a:fld>
             <a:endParaRPr lang="ko-KR" altLang="en-US"/>
           </a:p>
@@ -3051,7 +3051,7 @@
           <p:cNvPr id="7" name="TextBox 6">
             <a:extLst>
               <a:ext uri="{FF2B5EF4-FFF2-40B4-BE49-F238E27FC236}">
-                <a16:creationId xmlns="" xmlns:a16="http://schemas.microsoft.com/office/drawing/2014/main" id="{691811B0-B48E-441A-87FD-055ECECA2FB0}"/>
+                <a16:creationId xmlns:a16="http://schemas.microsoft.com/office/drawing/2014/main" xmlns="" id="{691811B0-B48E-441A-87FD-055ECECA2FB0}"/>
               </a:ext>
             </a:extLst>
           </p:cNvPr>
@@ -3096,7 +3096,7 @@
     </p:spTree>
     <p:extLst>
       <p:ext uri="{BB962C8B-B14F-4D97-AF65-F5344CB8AC3E}">
-        <p14:creationId xmlns="" xmlns:p14="http://schemas.microsoft.com/office/powerpoint/2010/main" val="3455661240"/>
+        <p14:creationId xmlns:p14="http://schemas.microsoft.com/office/powerpoint/2010/main" xmlns="" val="3455661240"/>
       </p:ext>
     </p:extLst>
   </p:cSld>
@@ -3426,7 +3426,7 @@
           <a:blip r:embed="rId2" cstate="print">
             <a:extLst>
               <a:ext uri="{28A0092B-C50C-407E-A947-70E740481C1C}">
-                <a14:useLocalDpi xmlns="" xmlns:a14="http://schemas.microsoft.com/office/drawing/2010/main" val="0"/>
+                <a14:useLocalDpi xmlns:a14="http://schemas.microsoft.com/office/drawing/2010/main" xmlns="" val="0"/>
               </a:ext>
             </a:extLst>
           </a:blip>
@@ -3698,7 +3698,7 @@
     </p:spTree>
     <p:extLst>
       <p:ext uri="{BB962C8B-B14F-4D97-AF65-F5344CB8AC3E}">
-        <p14:creationId xmlns="" xmlns:p14="http://schemas.microsoft.com/office/powerpoint/2010/main" val="2239986084"/>
+        <p14:creationId xmlns:p14="http://schemas.microsoft.com/office/powerpoint/2010/main" xmlns="" val="2239986084"/>
       </p:ext>
     </p:extLst>
   </p:cSld>
@@ -4332,7 +4332,7 @@
     </p:spTree>
     <p:extLst>
       <p:ext uri="{BB962C8B-B14F-4D97-AF65-F5344CB8AC3E}">
-        <p14:creationId xmlns:p14="http://schemas.microsoft.com/office/powerpoint/2010/main" xmlns="" val="3168494829"/>
+        <p14:creationId xmlns="" xmlns:p14="http://schemas.microsoft.com/office/powerpoint/2010/main" val="3168494829"/>
       </p:ext>
     </p:extLst>
   </p:cSld>
@@ -4966,7 +4966,7 @@
     </p:spTree>
     <p:extLst>
       <p:ext uri="{BB962C8B-B14F-4D97-AF65-F5344CB8AC3E}">
-        <p14:creationId xmlns:p14="http://schemas.microsoft.com/office/powerpoint/2010/main" xmlns="" val="3168494829"/>
+        <p14:creationId xmlns="" xmlns:p14="http://schemas.microsoft.com/office/powerpoint/2010/main" val="3168494829"/>
       </p:ext>
     </p:extLst>
   </p:cSld>
@@ -5160,7 +5160,7 @@
           <p:cNvPr id="18" name="직사각형 17">
             <a:extLst>
               <a:ext uri="{FF2B5EF4-FFF2-40B4-BE49-F238E27FC236}">
-                <a16:creationId xmlns:a16="http://schemas.microsoft.com/office/drawing/2014/main" xmlns="" id="{4FA5549A-7A68-46DD-BCFE-8E8ACCF00C14}"/>
+                <a16:creationId xmlns="" xmlns:a16="http://schemas.microsoft.com/office/drawing/2014/main" id="{4FA5549A-7A68-46DD-BCFE-8E8ACCF00C14}"/>
               </a:ext>
             </a:extLst>
           </p:cNvPr>
@@ -5209,7 +5209,7 @@
           <p:cNvPr id="21" name="직사각형 20">
             <a:extLst>
               <a:ext uri="{FF2B5EF4-FFF2-40B4-BE49-F238E27FC236}">
-                <a16:creationId xmlns:a16="http://schemas.microsoft.com/office/drawing/2014/main" xmlns="" id="{C8DB7DD3-DFAC-43B3-86FD-51D32000FA0A}"/>
+                <a16:creationId xmlns="" xmlns:a16="http://schemas.microsoft.com/office/drawing/2014/main" id="{C8DB7DD3-DFAC-43B3-86FD-51D32000FA0A}"/>
               </a:ext>
             </a:extLst>
           </p:cNvPr>
@@ -5283,7 +5283,7 @@
           <p:cNvPr id="22" name="TextBox 21">
             <a:extLst>
               <a:ext uri="{FF2B5EF4-FFF2-40B4-BE49-F238E27FC236}">
-                <a16:creationId xmlns:a16="http://schemas.microsoft.com/office/drawing/2014/main" xmlns="" id="{D521CD57-7D52-4085-AA67-6293BD236F8A}"/>
+                <a16:creationId xmlns="" xmlns:a16="http://schemas.microsoft.com/office/drawing/2014/main" id="{D521CD57-7D52-4085-AA67-6293BD236F8A}"/>
               </a:ext>
             </a:extLst>
           </p:cNvPr>
@@ -5499,7 +5499,7 @@
           <p:cNvPr id="3" name="그룹 22">
             <a:extLst>
               <a:ext uri="{FF2B5EF4-FFF2-40B4-BE49-F238E27FC236}">
-                <a16:creationId xmlns:a16="http://schemas.microsoft.com/office/drawing/2014/main" xmlns="" id="{8974A511-4937-4E3E-BD84-C2001D7C31CE}"/>
+                <a16:creationId xmlns="" xmlns:a16="http://schemas.microsoft.com/office/drawing/2014/main" id="{8974A511-4937-4E3E-BD84-C2001D7C31CE}"/>
               </a:ext>
             </a:extLst>
           </p:cNvPr>
@@ -5519,7 +5519,7 @@
             <p:cNvPr id="24" name="그림 23">
               <a:extLst>
                 <a:ext uri="{FF2B5EF4-FFF2-40B4-BE49-F238E27FC236}">
-                  <a16:creationId xmlns:a16="http://schemas.microsoft.com/office/drawing/2014/main" xmlns="" id="{CC55686C-57FF-400A-837E-3C180BE47AD7}"/>
+                  <a16:creationId xmlns="" xmlns:a16="http://schemas.microsoft.com/office/drawing/2014/main" id="{CC55686C-57FF-400A-837E-3C180BE47AD7}"/>
                 </a:ext>
               </a:extLst>
             </p:cNvPr>
@@ -5532,7 +5532,7 @@
             <a:blip r:embed="rId2" cstate="print">
               <a:extLst>
                 <a:ext uri="{28A0092B-C50C-407E-A947-70E740481C1C}">
-                  <a14:useLocalDpi xmlns:a14="http://schemas.microsoft.com/office/drawing/2010/main" xmlns="" val="0"/>
+                  <a14:useLocalDpi xmlns="" xmlns:a14="http://schemas.microsoft.com/office/drawing/2010/main" val="0"/>
                 </a:ext>
               </a:extLst>
             </a:blip>
@@ -5555,7 +5555,7 @@
             <p:cNvPr id="25" name="그림 24">
               <a:extLst>
                 <a:ext uri="{FF2B5EF4-FFF2-40B4-BE49-F238E27FC236}">
-                  <a16:creationId xmlns:a16="http://schemas.microsoft.com/office/drawing/2014/main" xmlns="" id="{27E60BCC-87ED-4E73-A156-35764F422B0C}"/>
+                  <a16:creationId xmlns="" xmlns:a16="http://schemas.microsoft.com/office/drawing/2014/main" id="{27E60BCC-87ED-4E73-A156-35764F422B0C}"/>
                 </a:ext>
               </a:extLst>
             </p:cNvPr>
@@ -5568,7 +5568,7 @@
             <a:blip r:embed="rId3" cstate="print">
               <a:extLst>
                 <a:ext uri="{28A0092B-C50C-407E-A947-70E740481C1C}">
-                  <a14:useLocalDpi xmlns:a14="http://schemas.microsoft.com/office/drawing/2010/main" xmlns="" val="0"/>
+                  <a14:useLocalDpi xmlns="" xmlns:a14="http://schemas.microsoft.com/office/drawing/2010/main" val="0"/>
                 </a:ext>
               </a:extLst>
             </a:blip>
@@ -5591,7 +5591,7 @@
             <p:cNvPr id="26" name="오른쪽 화살표 5">
               <a:extLst>
                 <a:ext uri="{FF2B5EF4-FFF2-40B4-BE49-F238E27FC236}">
-                  <a16:creationId xmlns:a16="http://schemas.microsoft.com/office/drawing/2014/main" xmlns="" id="{500DB65F-6523-4003-BCA9-93AA091428C9}"/>
+                  <a16:creationId xmlns="" xmlns:a16="http://schemas.microsoft.com/office/drawing/2014/main" id="{500DB65F-6523-4003-BCA9-93AA091428C9}"/>
                 </a:ext>
               </a:extLst>
             </p:cNvPr>
@@ -5637,7 +5637,7 @@
             <p:cNvPr id="27" name="TextBox 26">
               <a:extLst>
                 <a:ext uri="{FF2B5EF4-FFF2-40B4-BE49-F238E27FC236}">
-                  <a16:creationId xmlns:a16="http://schemas.microsoft.com/office/drawing/2014/main" xmlns="" id="{5F674417-85D9-408E-8E3D-89CE68669187}"/>
+                  <a16:creationId xmlns="" xmlns:a16="http://schemas.microsoft.com/office/drawing/2014/main" id="{5F674417-85D9-408E-8E3D-89CE68669187}"/>
                 </a:ext>
               </a:extLst>
             </p:cNvPr>
@@ -5711,7 +5711,7 @@
           <p:cNvPr id="31" name="오른쪽 화살표 5">
             <a:extLst>
               <a:ext uri="{FF2B5EF4-FFF2-40B4-BE49-F238E27FC236}">
-                <a16:creationId xmlns:a16="http://schemas.microsoft.com/office/drawing/2014/main" xmlns="" id="{F8B132FD-068B-4176-A383-08B193583B3C}"/>
+                <a16:creationId xmlns="" xmlns:a16="http://schemas.microsoft.com/office/drawing/2014/main" id="{F8B132FD-068B-4176-A383-08B193583B3C}"/>
               </a:ext>
             </a:extLst>
           </p:cNvPr>
@@ -5757,7 +5757,7 @@
           <p:cNvPr id="32" name="그림 31" descr="화면, 건물이(가) 표시된 사진&#10;&#10;자동 생성된 설명">
             <a:extLst>
               <a:ext uri="{FF2B5EF4-FFF2-40B4-BE49-F238E27FC236}">
-                <a16:creationId xmlns:a16="http://schemas.microsoft.com/office/drawing/2014/main" xmlns="" id="{B8BABAC5-982B-4222-BC66-6D365FB30645}"/>
+                <a16:creationId xmlns="" xmlns:a16="http://schemas.microsoft.com/office/drawing/2014/main" id="{B8BABAC5-982B-4222-BC66-6D365FB30645}"/>
               </a:ext>
             </a:extLst>
           </p:cNvPr>
@@ -5770,7 +5770,7 @@
           <a:blip r:embed="rId4" cstate="print">
             <a:extLst>
               <a:ext uri="{28A0092B-C50C-407E-A947-70E740481C1C}">
-                <a14:useLocalDpi xmlns:a14="http://schemas.microsoft.com/office/drawing/2010/main" xmlns="" val="0"/>
+                <a14:useLocalDpi xmlns="" xmlns:a14="http://schemas.microsoft.com/office/drawing/2010/main" val="0"/>
               </a:ext>
             </a:extLst>
           </a:blip>
@@ -5793,7 +5793,7 @@
           <p:cNvPr id="41" name="TextBox 40">
             <a:extLst>
               <a:ext uri="{FF2B5EF4-FFF2-40B4-BE49-F238E27FC236}">
-                <a16:creationId xmlns:a16="http://schemas.microsoft.com/office/drawing/2014/main" xmlns="" id="{BCD2289B-7BB5-4C65-A587-7438447D5D42}"/>
+                <a16:creationId xmlns="" xmlns:a16="http://schemas.microsoft.com/office/drawing/2014/main" id="{BCD2289B-7BB5-4C65-A587-7438447D5D42}"/>
               </a:ext>
             </a:extLst>
           </p:cNvPr>
@@ -5847,7 +5847,7 @@
     </p:spTree>
     <p:extLst>
       <p:ext uri="{BB962C8B-B14F-4D97-AF65-F5344CB8AC3E}">
-        <p14:creationId xmlns:p14="http://schemas.microsoft.com/office/powerpoint/2010/main" xmlns="" val="3168494829"/>
+        <p14:creationId xmlns="" xmlns:p14="http://schemas.microsoft.com/office/powerpoint/2010/main" val="3168494829"/>
       </p:ext>
     </p:extLst>
   </p:cSld>
@@ -6041,7 +6041,7 @@
           <p:cNvPr id="18" name="직사각형 17">
             <a:extLst>
               <a:ext uri="{FF2B5EF4-FFF2-40B4-BE49-F238E27FC236}">
-                <a16:creationId xmlns:a16="http://schemas.microsoft.com/office/drawing/2014/main" xmlns="" id="{4FA5549A-7A68-46DD-BCFE-8E8ACCF00C14}"/>
+                <a16:creationId xmlns="" xmlns:a16="http://schemas.microsoft.com/office/drawing/2014/main" id="{4FA5549A-7A68-46DD-BCFE-8E8ACCF00C14}"/>
               </a:ext>
             </a:extLst>
           </p:cNvPr>
@@ -6090,7 +6090,7 @@
           <p:cNvPr id="21" name="직사각형 20">
             <a:extLst>
               <a:ext uri="{FF2B5EF4-FFF2-40B4-BE49-F238E27FC236}">
-                <a16:creationId xmlns:a16="http://schemas.microsoft.com/office/drawing/2014/main" xmlns="" id="{C8DB7DD3-DFAC-43B3-86FD-51D32000FA0A}"/>
+                <a16:creationId xmlns="" xmlns:a16="http://schemas.microsoft.com/office/drawing/2014/main" id="{C8DB7DD3-DFAC-43B3-86FD-51D32000FA0A}"/>
               </a:ext>
             </a:extLst>
           </p:cNvPr>
@@ -6164,7 +6164,7 @@
           <p:cNvPr id="22" name="TextBox 21">
             <a:extLst>
               <a:ext uri="{FF2B5EF4-FFF2-40B4-BE49-F238E27FC236}">
-                <a16:creationId xmlns:a16="http://schemas.microsoft.com/office/drawing/2014/main" xmlns="" id="{D521CD57-7D52-4085-AA67-6293BD236F8A}"/>
+                <a16:creationId xmlns="" xmlns:a16="http://schemas.microsoft.com/office/drawing/2014/main" id="{D521CD57-7D52-4085-AA67-6293BD236F8A}"/>
               </a:ext>
             </a:extLst>
           </p:cNvPr>
@@ -6380,7 +6380,7 @@
           <p:cNvPr id="33" name="그림 32">
             <a:extLst>
               <a:ext uri="{FF2B5EF4-FFF2-40B4-BE49-F238E27FC236}">
-                <a16:creationId xmlns:a16="http://schemas.microsoft.com/office/drawing/2014/main" xmlns="" id="{E6FE4F5E-8A9F-4562-BFB6-DA10193B6DB8}"/>
+                <a16:creationId xmlns="" xmlns:a16="http://schemas.microsoft.com/office/drawing/2014/main" id="{E6FE4F5E-8A9F-4562-BFB6-DA10193B6DB8}"/>
               </a:ext>
             </a:extLst>
           </p:cNvPr>
@@ -6393,7 +6393,7 @@
           <a:blip r:embed="rId2" cstate="print">
             <a:extLst>
               <a:ext uri="{28A0092B-C50C-407E-A947-70E740481C1C}">
-                <a14:useLocalDpi xmlns:a14="http://schemas.microsoft.com/office/drawing/2010/main" xmlns="" val="0"/>
+                <a14:useLocalDpi xmlns="" xmlns:a14="http://schemas.microsoft.com/office/drawing/2010/main" val="0"/>
               </a:ext>
             </a:extLst>
           </a:blip>
@@ -6416,7 +6416,7 @@
           <p:cNvPr id="34" name="TextBox 33">
             <a:extLst>
               <a:ext uri="{FF2B5EF4-FFF2-40B4-BE49-F238E27FC236}">
-                <a16:creationId xmlns:a16="http://schemas.microsoft.com/office/drawing/2014/main" xmlns="" id="{E2CDE051-42DA-47E9-8CCC-D877F3102056}"/>
+                <a16:creationId xmlns="" xmlns:a16="http://schemas.microsoft.com/office/drawing/2014/main" id="{E2CDE051-42DA-47E9-8CCC-D877F3102056}"/>
               </a:ext>
             </a:extLst>
           </p:cNvPr>
@@ -6472,7 +6472,7 @@
           <p:cNvPr id="35" name="오른쪽 화살표 5">
             <a:extLst>
               <a:ext uri="{FF2B5EF4-FFF2-40B4-BE49-F238E27FC236}">
-                <a16:creationId xmlns:a16="http://schemas.microsoft.com/office/drawing/2014/main" xmlns="" id="{9EA6108B-65FE-40BF-8833-C5E32126B687}"/>
+                <a16:creationId xmlns="" xmlns:a16="http://schemas.microsoft.com/office/drawing/2014/main" id="{9EA6108B-65FE-40BF-8833-C5E32126B687}"/>
               </a:ext>
             </a:extLst>
           </p:cNvPr>
@@ -6518,7 +6518,7 @@
           <p:cNvPr id="36" name="TextBox 35">
             <a:extLst>
               <a:ext uri="{FF2B5EF4-FFF2-40B4-BE49-F238E27FC236}">
-                <a16:creationId xmlns:a16="http://schemas.microsoft.com/office/drawing/2014/main" xmlns="" id="{3C1F2D5F-A6D1-4F54-A973-A11C9418F315}"/>
+                <a16:creationId xmlns="" xmlns:a16="http://schemas.microsoft.com/office/drawing/2014/main" id="{3C1F2D5F-A6D1-4F54-A973-A11C9418F315}"/>
               </a:ext>
             </a:extLst>
           </p:cNvPr>
@@ -6574,7 +6574,7 @@
           <p:cNvPr id="37" name="직사각형 36">
             <a:extLst>
               <a:ext uri="{FF2B5EF4-FFF2-40B4-BE49-F238E27FC236}">
-                <a16:creationId xmlns:a16="http://schemas.microsoft.com/office/drawing/2014/main" xmlns="" id="{060B9C94-D93E-414B-85B8-C915253F15BD}"/>
+                <a16:creationId xmlns="" xmlns:a16="http://schemas.microsoft.com/office/drawing/2014/main" id="{060B9C94-D93E-414B-85B8-C915253F15BD}"/>
               </a:ext>
             </a:extLst>
           </p:cNvPr>
@@ -6612,7 +6612,7 @@
           <p:cNvPr id="38" name="직사각형 37">
             <a:extLst>
               <a:ext uri="{FF2B5EF4-FFF2-40B4-BE49-F238E27FC236}">
-                <a16:creationId xmlns:a16="http://schemas.microsoft.com/office/drawing/2014/main" xmlns="" id="{7DE42546-7B41-4F98-8771-D4F331BCFB96}"/>
+                <a16:creationId xmlns="" xmlns:a16="http://schemas.microsoft.com/office/drawing/2014/main" id="{7DE42546-7B41-4F98-8771-D4F331BCFB96}"/>
               </a:ext>
             </a:extLst>
           </p:cNvPr>
@@ -6650,7 +6650,7 @@
           <p:cNvPr id="39" name="직사각형 38">
             <a:extLst>
               <a:ext uri="{FF2B5EF4-FFF2-40B4-BE49-F238E27FC236}">
-                <a16:creationId xmlns:a16="http://schemas.microsoft.com/office/drawing/2014/main" xmlns="" id="{7D24F41D-54CD-4C14-9BEB-D80915B1143A}"/>
+                <a16:creationId xmlns="" xmlns:a16="http://schemas.microsoft.com/office/drawing/2014/main" id="{7D24F41D-54CD-4C14-9BEB-D80915B1143A}"/>
               </a:ext>
             </a:extLst>
           </p:cNvPr>
@@ -6708,7 +6708,7 @@
           <p:cNvPr id="40" name="오른쪽 화살표 5">
             <a:extLst>
               <a:ext uri="{FF2B5EF4-FFF2-40B4-BE49-F238E27FC236}">
-                <a16:creationId xmlns:a16="http://schemas.microsoft.com/office/drawing/2014/main" xmlns="" id="{9EA6108B-65FE-40BF-8833-C5E32126B687}"/>
+                <a16:creationId xmlns="" xmlns:a16="http://schemas.microsoft.com/office/drawing/2014/main" id="{9EA6108B-65FE-40BF-8833-C5E32126B687}"/>
               </a:ext>
             </a:extLst>
           </p:cNvPr>
@@ -6780,7 +6780,7 @@
           <p:cNvPr id="61" name="TextBox 60">
             <a:extLst>
               <a:ext uri="{FF2B5EF4-FFF2-40B4-BE49-F238E27FC236}">
-                <a16:creationId xmlns:a16="http://schemas.microsoft.com/office/drawing/2014/main" xmlns="" id="{3C1F2D5F-A6D1-4F54-A973-A11C9418F315}"/>
+                <a16:creationId xmlns="" xmlns:a16="http://schemas.microsoft.com/office/drawing/2014/main" id="{3C1F2D5F-A6D1-4F54-A973-A11C9418F315}"/>
               </a:ext>
             </a:extLst>
           </p:cNvPr>
@@ -6843,7 +6843,7 @@
           <p:cNvPr id="62" name="오른쪽 화살표 5">
             <a:extLst>
               <a:ext uri="{FF2B5EF4-FFF2-40B4-BE49-F238E27FC236}">
-                <a16:creationId xmlns:a16="http://schemas.microsoft.com/office/drawing/2014/main" xmlns="" id="{9EA6108B-65FE-40BF-8833-C5E32126B687}"/>
+                <a16:creationId xmlns="" xmlns:a16="http://schemas.microsoft.com/office/drawing/2014/main" id="{9EA6108B-65FE-40BF-8833-C5E32126B687}"/>
               </a:ext>
             </a:extLst>
           </p:cNvPr>
@@ -6887,7 +6887,7 @@
     </p:spTree>
     <p:extLst>
       <p:ext uri="{BB962C8B-B14F-4D97-AF65-F5344CB8AC3E}">
-        <p14:creationId xmlns:p14="http://schemas.microsoft.com/office/powerpoint/2010/main" xmlns="" val="3168494829"/>
+        <p14:creationId xmlns="" xmlns:p14="http://schemas.microsoft.com/office/powerpoint/2010/main" val="3168494829"/>
       </p:ext>
     </p:extLst>
   </p:cSld>
@@ -7081,7 +7081,7 @@
           <p:cNvPr id="18" name="직사각형 17">
             <a:extLst>
               <a:ext uri="{FF2B5EF4-FFF2-40B4-BE49-F238E27FC236}">
-                <a16:creationId xmlns:a16="http://schemas.microsoft.com/office/drawing/2014/main" xmlns="" id="{4FA5549A-7A68-46DD-BCFE-8E8ACCF00C14}"/>
+                <a16:creationId xmlns="" xmlns:a16="http://schemas.microsoft.com/office/drawing/2014/main" id="{4FA5549A-7A68-46DD-BCFE-8E8ACCF00C14}"/>
               </a:ext>
             </a:extLst>
           </p:cNvPr>
@@ -7130,7 +7130,7 @@
           <p:cNvPr id="21" name="직사각형 20">
             <a:extLst>
               <a:ext uri="{FF2B5EF4-FFF2-40B4-BE49-F238E27FC236}">
-                <a16:creationId xmlns:a16="http://schemas.microsoft.com/office/drawing/2014/main" xmlns="" id="{C8DB7DD3-DFAC-43B3-86FD-51D32000FA0A}"/>
+                <a16:creationId xmlns="" xmlns:a16="http://schemas.microsoft.com/office/drawing/2014/main" id="{C8DB7DD3-DFAC-43B3-86FD-51D32000FA0A}"/>
               </a:ext>
             </a:extLst>
           </p:cNvPr>
@@ -7190,7 +7190,7 @@
           <p:cNvPr id="22" name="TextBox 21">
             <a:extLst>
               <a:ext uri="{FF2B5EF4-FFF2-40B4-BE49-F238E27FC236}">
-                <a16:creationId xmlns:a16="http://schemas.microsoft.com/office/drawing/2014/main" xmlns="" id="{D521CD57-7D52-4085-AA67-6293BD236F8A}"/>
+                <a16:creationId xmlns="" xmlns:a16="http://schemas.microsoft.com/office/drawing/2014/main" id="{D521CD57-7D52-4085-AA67-6293BD236F8A}"/>
               </a:ext>
             </a:extLst>
           </p:cNvPr>
@@ -7387,7 +7387,7 @@
           <p:cNvPr id="31" name="오른쪽 화살표 5">
             <a:extLst>
               <a:ext uri="{FF2B5EF4-FFF2-40B4-BE49-F238E27FC236}">
-                <a16:creationId xmlns:a16="http://schemas.microsoft.com/office/drawing/2014/main" xmlns="" id="{F8B132FD-068B-4176-A383-08B193583B3C}"/>
+                <a16:creationId xmlns="" xmlns:a16="http://schemas.microsoft.com/office/drawing/2014/main" id="{F8B132FD-068B-4176-A383-08B193583B3C}"/>
               </a:ext>
             </a:extLst>
           </p:cNvPr>
@@ -7433,7 +7433,7 @@
           <p:cNvPr id="41" name="TextBox 40">
             <a:extLst>
               <a:ext uri="{FF2B5EF4-FFF2-40B4-BE49-F238E27FC236}">
-                <a16:creationId xmlns:a16="http://schemas.microsoft.com/office/drawing/2014/main" xmlns="" id="{BCD2289B-7BB5-4C65-A587-7438447D5D42}"/>
+                <a16:creationId xmlns="" xmlns:a16="http://schemas.microsoft.com/office/drawing/2014/main" id="{BCD2289B-7BB5-4C65-A587-7438447D5D42}"/>
               </a:ext>
             </a:extLst>
           </p:cNvPr>
@@ -7521,7 +7521,7 @@
           <p:cNvPr id="17" name="그림 16">
             <a:extLst>
               <a:ext uri="{FF2B5EF4-FFF2-40B4-BE49-F238E27FC236}">
-                <a16:creationId xmlns:a16="http://schemas.microsoft.com/office/drawing/2014/main" xmlns="" id="{754EF7E9-8765-42A9-8BCC-C06D86936A55}"/>
+                <a16:creationId xmlns="" xmlns:a16="http://schemas.microsoft.com/office/drawing/2014/main" id="{754EF7E9-8765-42A9-8BCC-C06D86936A55}"/>
               </a:ext>
             </a:extLst>
           </p:cNvPr>
@@ -7551,7 +7551,7 @@
           <p:cNvPr id="19" name="그림 18">
             <a:extLst>
               <a:ext uri="{FF2B5EF4-FFF2-40B4-BE49-F238E27FC236}">
-                <a16:creationId xmlns:a16="http://schemas.microsoft.com/office/drawing/2014/main" xmlns="" id="{F59E84BC-6B90-4EF8-B622-7F093FD42B71}"/>
+                <a16:creationId xmlns="" xmlns:a16="http://schemas.microsoft.com/office/drawing/2014/main" id="{F59E84BC-6B90-4EF8-B622-7F093FD42B71}"/>
               </a:ext>
             </a:extLst>
           </p:cNvPr>
@@ -7581,7 +7581,7 @@
           <p:cNvPr id="30" name="오른쪽 화살표 5">
             <a:extLst>
               <a:ext uri="{FF2B5EF4-FFF2-40B4-BE49-F238E27FC236}">
-                <a16:creationId xmlns:a16="http://schemas.microsoft.com/office/drawing/2014/main" xmlns="" id="{F8B132FD-068B-4176-A383-08B193583B3C}"/>
+                <a16:creationId xmlns="" xmlns:a16="http://schemas.microsoft.com/office/drawing/2014/main" id="{F8B132FD-068B-4176-A383-08B193583B3C}"/>
               </a:ext>
             </a:extLst>
           </p:cNvPr>
@@ -7627,7 +7627,7 @@
           <p:cNvPr id="33" name="TextBox 32">
             <a:extLst>
               <a:ext uri="{FF2B5EF4-FFF2-40B4-BE49-F238E27FC236}">
-                <a16:creationId xmlns:a16="http://schemas.microsoft.com/office/drawing/2014/main" xmlns="" id="{BCD2289B-7BB5-4C65-A587-7438447D5D42}"/>
+                <a16:creationId xmlns="" xmlns:a16="http://schemas.microsoft.com/office/drawing/2014/main" id="{BCD2289B-7BB5-4C65-A587-7438447D5D42}"/>
               </a:ext>
             </a:extLst>
           </p:cNvPr>
@@ -7714,7 +7714,7 @@
           <p:cNvPr id="35" name="그림 34" descr="텍스트이(가) 표시된 사진&#10;&#10;자동 생성된 설명">
             <a:extLst>
               <a:ext uri="{FF2B5EF4-FFF2-40B4-BE49-F238E27FC236}">
-                <a16:creationId xmlns:a16="http://schemas.microsoft.com/office/drawing/2014/main" xmlns="" id="{91DE35F7-5F78-4CC2-BC21-9D1EE802ADE3}"/>
+                <a16:creationId xmlns="" xmlns:a16="http://schemas.microsoft.com/office/drawing/2014/main" id="{91DE35F7-5F78-4CC2-BC21-9D1EE802ADE3}"/>
               </a:ext>
             </a:extLst>
           </p:cNvPr>
@@ -7727,7 +7727,7 @@
           <a:blip r:embed="rId4" cstate="print">
             <a:extLst>
               <a:ext uri="{28A0092B-C50C-407E-A947-70E740481C1C}">
-                <a14:useLocalDpi xmlns:a14="http://schemas.microsoft.com/office/drawing/2010/main" xmlns="" val="0"/>
+                <a14:useLocalDpi xmlns="" xmlns:a14="http://schemas.microsoft.com/office/drawing/2010/main" val="0"/>
               </a:ext>
             </a:extLst>
           </a:blip>
@@ -7749,7 +7749,7 @@
     </p:spTree>
     <p:extLst>
       <p:ext uri="{BB962C8B-B14F-4D97-AF65-F5344CB8AC3E}">
-        <p14:creationId xmlns:p14="http://schemas.microsoft.com/office/powerpoint/2010/main" xmlns="" val="3168494829"/>
+        <p14:creationId xmlns="" xmlns:p14="http://schemas.microsoft.com/office/powerpoint/2010/main" val="3168494829"/>
       </p:ext>
     </p:extLst>
   </p:cSld>
@@ -7943,7 +7943,7 @@
           <p:cNvPr id="18" name="직사각형 17">
             <a:extLst>
               <a:ext uri="{FF2B5EF4-FFF2-40B4-BE49-F238E27FC236}">
-                <a16:creationId xmlns:a16="http://schemas.microsoft.com/office/drawing/2014/main" xmlns="" id="{4FA5549A-7A68-46DD-BCFE-8E8ACCF00C14}"/>
+                <a16:creationId xmlns="" xmlns:a16="http://schemas.microsoft.com/office/drawing/2014/main" id="{4FA5549A-7A68-46DD-BCFE-8E8ACCF00C14}"/>
               </a:ext>
             </a:extLst>
           </p:cNvPr>
@@ -7992,7 +7992,7 @@
           <p:cNvPr id="21" name="직사각형 20">
             <a:extLst>
               <a:ext uri="{FF2B5EF4-FFF2-40B4-BE49-F238E27FC236}">
-                <a16:creationId xmlns:a16="http://schemas.microsoft.com/office/drawing/2014/main" xmlns="" id="{C8DB7DD3-DFAC-43B3-86FD-51D32000FA0A}"/>
+                <a16:creationId xmlns="" xmlns:a16="http://schemas.microsoft.com/office/drawing/2014/main" id="{C8DB7DD3-DFAC-43B3-86FD-51D32000FA0A}"/>
               </a:ext>
             </a:extLst>
           </p:cNvPr>
@@ -8052,7 +8052,7 @@
           <p:cNvPr id="22" name="TextBox 21">
             <a:extLst>
               <a:ext uri="{FF2B5EF4-FFF2-40B4-BE49-F238E27FC236}">
-                <a16:creationId xmlns:a16="http://schemas.microsoft.com/office/drawing/2014/main" xmlns="" id="{D521CD57-7D52-4085-AA67-6293BD236F8A}"/>
+                <a16:creationId xmlns="" xmlns:a16="http://schemas.microsoft.com/office/drawing/2014/main" id="{D521CD57-7D52-4085-AA67-6293BD236F8A}"/>
               </a:ext>
             </a:extLst>
           </p:cNvPr>
@@ -8249,7 +8249,7 @@
           <p:cNvPr id="20" name="오른쪽 화살표 5">
             <a:extLst>
               <a:ext uri="{FF2B5EF4-FFF2-40B4-BE49-F238E27FC236}">
-                <a16:creationId xmlns:a16="http://schemas.microsoft.com/office/drawing/2014/main" xmlns="" id="{F8B132FD-068B-4176-A383-08B193583B3C}"/>
+                <a16:creationId xmlns="" xmlns:a16="http://schemas.microsoft.com/office/drawing/2014/main" id="{F8B132FD-068B-4176-A383-08B193583B3C}"/>
               </a:ext>
             </a:extLst>
           </p:cNvPr>
@@ -8295,7 +8295,7 @@
           <p:cNvPr id="24" name="TextBox 23">
             <a:extLst>
               <a:ext uri="{FF2B5EF4-FFF2-40B4-BE49-F238E27FC236}">
-                <a16:creationId xmlns:a16="http://schemas.microsoft.com/office/drawing/2014/main" xmlns="" id="{BCD2289B-7BB5-4C65-A587-7438447D5D42}"/>
+                <a16:creationId xmlns="" xmlns:a16="http://schemas.microsoft.com/office/drawing/2014/main" id="{BCD2289B-7BB5-4C65-A587-7438447D5D42}"/>
               </a:ext>
             </a:extLst>
           </p:cNvPr>
@@ -8358,7 +8358,7 @@
           <p:cNvPr id="62" name="직사각형 61">
             <a:extLst>
               <a:ext uri="{FF2B5EF4-FFF2-40B4-BE49-F238E27FC236}">
-                <a16:creationId xmlns:a16="http://schemas.microsoft.com/office/drawing/2014/main" xmlns="" id="{7D24F41D-54CD-4C14-9BEB-D80915B1143A}"/>
+                <a16:creationId xmlns="" xmlns:a16="http://schemas.microsoft.com/office/drawing/2014/main" id="{7D24F41D-54CD-4C14-9BEB-D80915B1143A}"/>
               </a:ext>
             </a:extLst>
           </p:cNvPr>
@@ -8433,7 +8433,7 @@
           <a:blip r:embed="rId2" cstate="print">
             <a:extLst>
               <a:ext uri="{28A0092B-C50C-407E-A947-70E740481C1C}">
-                <a14:useLocalDpi xmlns:a14="http://schemas.microsoft.com/office/drawing/2010/main" xmlns="" val="0"/>
+                <a14:useLocalDpi xmlns="" xmlns:a14="http://schemas.microsoft.com/office/drawing/2010/main" val="0"/>
               </a:ext>
             </a:extLst>
           </a:blip>
@@ -8713,7 +8713,7 @@
           <p:cNvPr id="70" name="오른쪽 화살표 5">
             <a:extLst>
               <a:ext uri="{FF2B5EF4-FFF2-40B4-BE49-F238E27FC236}">
-                <a16:creationId xmlns:a16="http://schemas.microsoft.com/office/drawing/2014/main" xmlns="" id="{F8B132FD-068B-4176-A383-08B193583B3C}"/>
+                <a16:creationId xmlns="" xmlns:a16="http://schemas.microsoft.com/office/drawing/2014/main" id="{F8B132FD-068B-4176-A383-08B193583B3C}"/>
               </a:ext>
             </a:extLst>
           </p:cNvPr>
@@ -8759,7 +8759,7 @@
           <p:cNvPr id="71" name="TextBox 70">
             <a:extLst>
               <a:ext uri="{FF2B5EF4-FFF2-40B4-BE49-F238E27FC236}">
-                <a16:creationId xmlns:a16="http://schemas.microsoft.com/office/drawing/2014/main" xmlns="" id="{BCD2289B-7BB5-4C65-A587-7438447D5D42}"/>
+                <a16:creationId xmlns="" xmlns:a16="http://schemas.microsoft.com/office/drawing/2014/main" id="{BCD2289B-7BB5-4C65-A587-7438447D5D42}"/>
               </a:ext>
             </a:extLst>
           </p:cNvPr>
@@ -8872,7 +8872,7 @@
           <p:cNvPr id="29" name="오른쪽 화살표 5">
             <a:extLst>
               <a:ext uri="{FF2B5EF4-FFF2-40B4-BE49-F238E27FC236}">
-                <a16:creationId xmlns:a16="http://schemas.microsoft.com/office/drawing/2014/main" xmlns="" id="{F8B132FD-068B-4176-A383-08B193583B3C}"/>
+                <a16:creationId xmlns="" xmlns:a16="http://schemas.microsoft.com/office/drawing/2014/main" id="{F8B132FD-068B-4176-A383-08B193583B3C}"/>
               </a:ext>
             </a:extLst>
           </p:cNvPr>
@@ -8918,7 +8918,7 @@
           <p:cNvPr id="30" name="TextBox 29">
             <a:extLst>
               <a:ext uri="{FF2B5EF4-FFF2-40B4-BE49-F238E27FC236}">
-                <a16:creationId xmlns:a16="http://schemas.microsoft.com/office/drawing/2014/main" xmlns="" id="{BCD2289B-7BB5-4C65-A587-7438447D5D42}"/>
+                <a16:creationId xmlns="" xmlns:a16="http://schemas.microsoft.com/office/drawing/2014/main" id="{BCD2289B-7BB5-4C65-A587-7438447D5D42}"/>
               </a:ext>
             </a:extLst>
           </p:cNvPr>
@@ -8989,7 +8989,7 @@
     </p:spTree>
     <p:extLst>
       <p:ext uri="{BB962C8B-B14F-4D97-AF65-F5344CB8AC3E}">
-        <p14:creationId xmlns:p14="http://schemas.microsoft.com/office/powerpoint/2010/main" xmlns="" val="3168494829"/>
+        <p14:creationId xmlns="" xmlns:p14="http://schemas.microsoft.com/office/powerpoint/2010/main" val="3168494829"/>
       </p:ext>
     </p:extLst>
   </p:cSld>
@@ -9432,7 +9432,7 @@
     </p:spTree>
     <p:extLst>
       <p:ext uri="{BB962C8B-B14F-4D97-AF65-F5344CB8AC3E}">
-        <p14:creationId xmlns="" xmlns:p14="http://schemas.microsoft.com/office/powerpoint/2010/main" val="3168494829"/>
+        <p14:creationId xmlns:p14="http://schemas.microsoft.com/office/powerpoint/2010/main" xmlns="" val="3168494829"/>
       </p:ext>
     </p:extLst>
   </p:cSld>
@@ -9626,7 +9626,7 @@
           <p:cNvPr id="11" name="표 6">
             <a:extLst>
               <a:ext uri="{FF2B5EF4-FFF2-40B4-BE49-F238E27FC236}">
-                <a16:creationId xmlns="" xmlns:a16="http://schemas.microsoft.com/office/drawing/2014/main" id="{BFBAFA7C-B953-46EE-97DC-E097474E3835}"/>
+                <a16:creationId xmlns:a16="http://schemas.microsoft.com/office/drawing/2014/main" xmlns="" id="{BFBAFA7C-B953-46EE-97DC-E097474E3835}"/>
               </a:ext>
             </a:extLst>
           </p:cNvPr>
@@ -9636,7 +9636,7 @@
           <p:nvPr>
             <p:extLst>
               <p:ext uri="{D42A27DB-BD31-4B8C-83A1-F6EECF244321}">
-                <p14:modId xmlns="" xmlns:p14="http://schemas.microsoft.com/office/powerpoint/2010/main" val="273057048"/>
+                <p14:modId xmlns:p14="http://schemas.microsoft.com/office/powerpoint/2010/main" xmlns="" val="273057048"/>
               </p:ext>
             </p:extLst>
           </p:nvPr>
@@ -9655,42 +9655,42 @@
                 <a:gridCol w="883138">
                   <a:extLst>
                     <a:ext uri="{9D8B030D-6E8A-4147-A177-3AD203B41FA5}">
-                      <a16:colId xmlns="" xmlns:a16="http://schemas.microsoft.com/office/drawing/2014/main" val="4059824798"/>
+                      <a16:colId xmlns:a16="http://schemas.microsoft.com/office/drawing/2014/main" xmlns="" val="4059824798"/>
                     </a:ext>
                   </a:extLst>
                 </a:gridCol>
                 <a:gridCol w="1811018">
                   <a:extLst>
                     <a:ext uri="{9D8B030D-6E8A-4147-A177-3AD203B41FA5}">
-                      <a16:colId xmlns="" xmlns:a16="http://schemas.microsoft.com/office/drawing/2014/main" val="180141176"/>
+                      <a16:colId xmlns:a16="http://schemas.microsoft.com/office/drawing/2014/main" xmlns="" val="180141176"/>
                     </a:ext>
                   </a:extLst>
                 </a:gridCol>
                 <a:gridCol w="2628121">
                   <a:extLst>
                     <a:ext uri="{9D8B030D-6E8A-4147-A177-3AD203B41FA5}">
-                      <a16:colId xmlns="" xmlns:a16="http://schemas.microsoft.com/office/drawing/2014/main" val="700820823"/>
+                      <a16:colId xmlns:a16="http://schemas.microsoft.com/office/drawing/2014/main" xmlns="" val="700820823"/>
                     </a:ext>
                   </a:extLst>
                 </a:gridCol>
                 <a:gridCol w="2103270">
                   <a:extLst>
                     <a:ext uri="{9D8B030D-6E8A-4147-A177-3AD203B41FA5}">
-                      <a16:colId xmlns="" xmlns:a16="http://schemas.microsoft.com/office/drawing/2014/main" val="3826169032"/>
+                      <a16:colId xmlns:a16="http://schemas.microsoft.com/office/drawing/2014/main" xmlns="" val="3826169032"/>
                     </a:ext>
                   </a:extLst>
                 </a:gridCol>
                 <a:gridCol w="2197916">
                   <a:extLst>
                     <a:ext uri="{9D8B030D-6E8A-4147-A177-3AD203B41FA5}">
-                      <a16:colId xmlns="" xmlns:a16="http://schemas.microsoft.com/office/drawing/2014/main" val="3998995576"/>
+                      <a16:colId xmlns:a16="http://schemas.microsoft.com/office/drawing/2014/main" xmlns="" val="3998995576"/>
                     </a:ext>
                   </a:extLst>
                 </a:gridCol>
                 <a:gridCol w="1161766">
                   <a:extLst>
                     <a:ext uri="{9D8B030D-6E8A-4147-A177-3AD203B41FA5}">
-                      <a16:colId xmlns="" xmlns:a16="http://schemas.microsoft.com/office/drawing/2014/main" val="3671135630"/>
+                      <a16:colId xmlns:a16="http://schemas.microsoft.com/office/drawing/2014/main" xmlns="" val="3671135630"/>
                     </a:ext>
                   </a:extLst>
                 </a:gridCol>
@@ -10050,7 +10050,7 @@
                 </a:tc>
                 <a:extLst>
                   <a:ext uri="{0D108BD9-81ED-4DB2-BD59-A6C34878D82A}">
-                    <a16:rowId xmlns="" xmlns:a16="http://schemas.microsoft.com/office/drawing/2014/main" val="2620407741"/>
+                    <a16:rowId xmlns:a16="http://schemas.microsoft.com/office/drawing/2014/main" xmlns="" val="2620407741"/>
                   </a:ext>
                 </a:extLst>
               </a:tr>
@@ -10207,7 +10207,7 @@
                 </a:tc>
                 <a:extLst>
                   <a:ext uri="{0D108BD9-81ED-4DB2-BD59-A6C34878D82A}">
-                    <a16:rowId xmlns="" xmlns:a16="http://schemas.microsoft.com/office/drawing/2014/main" val="4242667181"/>
+                    <a16:rowId xmlns:a16="http://schemas.microsoft.com/office/drawing/2014/main" xmlns="" val="4242667181"/>
                   </a:ext>
                 </a:extLst>
               </a:tr>
@@ -10396,7 +10396,7 @@
                 </a:tc>
                 <a:extLst>
                   <a:ext uri="{0D108BD9-81ED-4DB2-BD59-A6C34878D82A}">
-                    <a16:rowId xmlns="" xmlns:a16="http://schemas.microsoft.com/office/drawing/2014/main" val="1266398073"/>
+                    <a16:rowId xmlns:a16="http://schemas.microsoft.com/office/drawing/2014/main" xmlns="" val="1266398073"/>
                   </a:ext>
                 </a:extLst>
               </a:tr>
@@ -10586,7 +10586,7 @@
                 </a:tc>
                 <a:extLst>
                   <a:ext uri="{0D108BD9-81ED-4DB2-BD59-A6C34878D82A}">
-                    <a16:rowId xmlns="" xmlns:a16="http://schemas.microsoft.com/office/drawing/2014/main" val="2920171679"/>
+                    <a16:rowId xmlns:a16="http://schemas.microsoft.com/office/drawing/2014/main" xmlns="" val="2920171679"/>
                   </a:ext>
                 </a:extLst>
               </a:tr>
@@ -10783,7 +10783,7 @@
                 </a:tc>
                 <a:extLst>
                   <a:ext uri="{0D108BD9-81ED-4DB2-BD59-A6C34878D82A}">
-                    <a16:rowId xmlns="" xmlns:a16="http://schemas.microsoft.com/office/drawing/2014/main" val="487017416"/>
+                    <a16:rowId xmlns:a16="http://schemas.microsoft.com/office/drawing/2014/main" xmlns="" val="487017416"/>
                   </a:ext>
                 </a:extLst>
               </a:tr>
@@ -10996,7 +10996,7 @@
                 </a:tc>
                 <a:extLst>
                   <a:ext uri="{0D108BD9-81ED-4DB2-BD59-A6C34878D82A}">
-                    <a16:rowId xmlns="" xmlns:a16="http://schemas.microsoft.com/office/drawing/2014/main" val="3011802642"/>
+                    <a16:rowId xmlns:a16="http://schemas.microsoft.com/office/drawing/2014/main" xmlns="" val="3011802642"/>
                   </a:ext>
                 </a:extLst>
               </a:tr>
@@ -11169,7 +11169,7 @@
                 </a:tc>
                 <a:extLst>
                   <a:ext uri="{0D108BD9-81ED-4DB2-BD59-A6C34878D82A}">
-                    <a16:rowId xmlns="" xmlns:a16="http://schemas.microsoft.com/office/drawing/2014/main" val="1461059969"/>
+                    <a16:rowId xmlns:a16="http://schemas.microsoft.com/office/drawing/2014/main" xmlns="" val="1461059969"/>
                   </a:ext>
                 </a:extLst>
               </a:tr>
@@ -11326,7 +11326,7 @@
                 </a:tc>
                 <a:extLst>
                   <a:ext uri="{0D108BD9-81ED-4DB2-BD59-A6C34878D82A}">
-                    <a16:rowId xmlns="" xmlns:a16="http://schemas.microsoft.com/office/drawing/2014/main" val="2716740841"/>
+                    <a16:rowId xmlns:a16="http://schemas.microsoft.com/office/drawing/2014/main" xmlns="" val="2716740841"/>
                   </a:ext>
                 </a:extLst>
               </a:tr>
@@ -11516,7 +11516,7 @@
                 </a:tc>
                 <a:extLst>
                   <a:ext uri="{0D108BD9-81ED-4DB2-BD59-A6C34878D82A}">
-                    <a16:rowId xmlns="" xmlns:a16="http://schemas.microsoft.com/office/drawing/2014/main" val="17180173"/>
+                    <a16:rowId xmlns:a16="http://schemas.microsoft.com/office/drawing/2014/main" xmlns="" val="17180173"/>
                   </a:ext>
                 </a:extLst>
               </a:tr>
@@ -11705,7 +11705,7 @@
                 </a:tc>
                 <a:extLst>
                   <a:ext uri="{0D108BD9-81ED-4DB2-BD59-A6C34878D82A}">
-                    <a16:rowId xmlns="" xmlns:a16="http://schemas.microsoft.com/office/drawing/2014/main" val="2297328528"/>
+                    <a16:rowId xmlns:a16="http://schemas.microsoft.com/office/drawing/2014/main" xmlns="" val="2297328528"/>
                   </a:ext>
                 </a:extLst>
               </a:tr>
@@ -11921,7 +11921,7 @@
                 </a:tc>
                 <a:extLst>
                   <a:ext uri="{0D108BD9-81ED-4DB2-BD59-A6C34878D82A}">
-                    <a16:rowId xmlns="" xmlns:a16="http://schemas.microsoft.com/office/drawing/2014/main" val="977834293"/>
+                    <a16:rowId xmlns:a16="http://schemas.microsoft.com/office/drawing/2014/main" xmlns="" val="977834293"/>
                   </a:ext>
                 </a:extLst>
               </a:tr>
@@ -12127,7 +12127,7 @@
                 </a:tc>
                 <a:extLst>
                   <a:ext uri="{0D108BD9-81ED-4DB2-BD59-A6C34878D82A}">
-                    <a16:rowId xmlns="" xmlns:a16="http://schemas.microsoft.com/office/drawing/2014/main" val="2044773805"/>
+                    <a16:rowId xmlns:a16="http://schemas.microsoft.com/office/drawing/2014/main" xmlns="" val="2044773805"/>
                   </a:ext>
                 </a:extLst>
               </a:tr>
@@ -12333,7 +12333,7 @@
                 </a:tc>
                 <a:extLst>
                   <a:ext uri="{0D108BD9-81ED-4DB2-BD59-A6C34878D82A}">
-                    <a16:rowId xmlns="" xmlns:a16="http://schemas.microsoft.com/office/drawing/2014/main" val="1162807858"/>
+                    <a16:rowId xmlns:a16="http://schemas.microsoft.com/office/drawing/2014/main" xmlns="" val="1162807858"/>
                   </a:ext>
                 </a:extLst>
               </a:tr>
@@ -12344,7 +12344,7 @@
     </p:spTree>
     <p:extLst>
       <p:ext uri="{BB962C8B-B14F-4D97-AF65-F5344CB8AC3E}">
-        <p14:creationId xmlns="" xmlns:p14="http://schemas.microsoft.com/office/powerpoint/2010/main" val="3168494829"/>
+        <p14:creationId xmlns:p14="http://schemas.microsoft.com/office/powerpoint/2010/main" xmlns="" val="3168494829"/>
       </p:ext>
     </p:extLst>
   </p:cSld>
@@ -12538,7 +12538,7 @@
           <p:cNvPr id="7" name="표 6">
             <a:extLst>
               <a:ext uri="{FF2B5EF4-FFF2-40B4-BE49-F238E27FC236}">
-                <a16:creationId xmlns="" xmlns:a16="http://schemas.microsoft.com/office/drawing/2014/main" id="{BFBAFA7C-B953-46EE-97DC-E097474E3835}"/>
+                <a16:creationId xmlns:a16="http://schemas.microsoft.com/office/drawing/2014/main" xmlns="" id="{BFBAFA7C-B953-46EE-97DC-E097474E3835}"/>
               </a:ext>
             </a:extLst>
           </p:cNvPr>
@@ -12548,7 +12548,7 @@
           <p:nvPr>
             <p:extLst>
               <p:ext uri="{D42A27DB-BD31-4B8C-83A1-F6EECF244321}">
-                <p14:modId xmlns="" xmlns:p14="http://schemas.microsoft.com/office/powerpoint/2010/main" val="4169412636"/>
+                <p14:modId xmlns:p14="http://schemas.microsoft.com/office/powerpoint/2010/main" xmlns="" val="4169412636"/>
               </p:ext>
             </p:extLst>
           </p:nvPr>
@@ -12567,42 +12567,42 @@
                 <a:gridCol w="705965">
                   <a:extLst>
                     <a:ext uri="{9D8B030D-6E8A-4147-A177-3AD203B41FA5}">
-                      <a16:colId xmlns="" xmlns:a16="http://schemas.microsoft.com/office/drawing/2014/main" val="4059824798"/>
+                      <a16:colId xmlns:a16="http://schemas.microsoft.com/office/drawing/2014/main" xmlns="" val="4059824798"/>
                     </a:ext>
                   </a:extLst>
                 </a:gridCol>
                 <a:gridCol w="1427635">
                   <a:extLst>
                     <a:ext uri="{9D8B030D-6E8A-4147-A177-3AD203B41FA5}">
-                      <a16:colId xmlns="" xmlns:a16="http://schemas.microsoft.com/office/drawing/2014/main" val="180141176"/>
+                      <a16:colId xmlns:a16="http://schemas.microsoft.com/office/drawing/2014/main" xmlns="" val="180141176"/>
                     </a:ext>
                   </a:extLst>
                 </a:gridCol>
                 <a:gridCol w="3188677">
                   <a:extLst>
                     <a:ext uri="{9D8B030D-6E8A-4147-A177-3AD203B41FA5}">
-                      <a16:colId xmlns="" xmlns:a16="http://schemas.microsoft.com/office/drawing/2014/main" val="700820823"/>
+                      <a16:colId xmlns:a16="http://schemas.microsoft.com/office/drawing/2014/main" xmlns="" val="700820823"/>
                     </a:ext>
                   </a:extLst>
                 </a:gridCol>
                 <a:gridCol w="2532184">
                   <a:extLst>
                     <a:ext uri="{9D8B030D-6E8A-4147-A177-3AD203B41FA5}">
-                      <a16:colId xmlns="" xmlns:a16="http://schemas.microsoft.com/office/drawing/2014/main" val="3826169032"/>
+                      <a16:colId xmlns:a16="http://schemas.microsoft.com/office/drawing/2014/main" xmlns="" val="3826169032"/>
                     </a:ext>
                   </a:extLst>
                 </a:gridCol>
                 <a:gridCol w="1936782">
                   <a:extLst>
                     <a:ext uri="{9D8B030D-6E8A-4147-A177-3AD203B41FA5}">
-                      <a16:colId xmlns="" xmlns:a16="http://schemas.microsoft.com/office/drawing/2014/main" val="3998995576"/>
+                      <a16:colId xmlns:a16="http://schemas.microsoft.com/office/drawing/2014/main" xmlns="" val="3998995576"/>
                     </a:ext>
                   </a:extLst>
                 </a:gridCol>
                 <a:gridCol w="993986">
                   <a:extLst>
                     <a:ext uri="{9D8B030D-6E8A-4147-A177-3AD203B41FA5}">
-                      <a16:colId xmlns="" xmlns:a16="http://schemas.microsoft.com/office/drawing/2014/main" val="3671135630"/>
+                      <a16:colId xmlns:a16="http://schemas.microsoft.com/office/drawing/2014/main" xmlns="" val="3671135630"/>
                     </a:ext>
                   </a:extLst>
                 </a:gridCol>
@@ -12832,7 +12832,7 @@
                 </a:tc>
                 <a:extLst>
                   <a:ext uri="{0D108BD9-81ED-4DB2-BD59-A6C34878D82A}">
-                    <a16:rowId xmlns="" xmlns:a16="http://schemas.microsoft.com/office/drawing/2014/main" val="2620407741"/>
+                    <a16:rowId xmlns:a16="http://schemas.microsoft.com/office/drawing/2014/main" xmlns="" val="2620407741"/>
                   </a:ext>
                 </a:extLst>
               </a:tr>
@@ -12989,7 +12989,7 @@
                 </a:tc>
                 <a:extLst>
                   <a:ext uri="{0D108BD9-81ED-4DB2-BD59-A6C34878D82A}">
-                    <a16:rowId xmlns="" xmlns:a16="http://schemas.microsoft.com/office/drawing/2014/main" val="4242667181"/>
+                    <a16:rowId xmlns:a16="http://schemas.microsoft.com/office/drawing/2014/main" xmlns="" val="4242667181"/>
                   </a:ext>
                 </a:extLst>
               </a:tr>
@@ -13146,7 +13146,7 @@
                 </a:tc>
                 <a:extLst>
                   <a:ext uri="{0D108BD9-81ED-4DB2-BD59-A6C34878D82A}">
-                    <a16:rowId xmlns="" xmlns:a16="http://schemas.microsoft.com/office/drawing/2014/main" val="1266398073"/>
+                    <a16:rowId xmlns:a16="http://schemas.microsoft.com/office/drawing/2014/main" xmlns="" val="1266398073"/>
                   </a:ext>
                 </a:extLst>
               </a:tr>
@@ -13303,7 +13303,7 @@
                 </a:tc>
                 <a:extLst>
                   <a:ext uri="{0D108BD9-81ED-4DB2-BD59-A6C34878D82A}">
-                    <a16:rowId xmlns="" xmlns:a16="http://schemas.microsoft.com/office/drawing/2014/main" val="2920171679"/>
+                    <a16:rowId xmlns:a16="http://schemas.microsoft.com/office/drawing/2014/main" xmlns="" val="2920171679"/>
                   </a:ext>
                 </a:extLst>
               </a:tr>
@@ -13460,7 +13460,7 @@
                 </a:tc>
                 <a:extLst>
                   <a:ext uri="{0D108BD9-81ED-4DB2-BD59-A6C34878D82A}">
-                    <a16:rowId xmlns="" xmlns:a16="http://schemas.microsoft.com/office/drawing/2014/main" val="487017416"/>
+                    <a16:rowId xmlns:a16="http://schemas.microsoft.com/office/drawing/2014/main" xmlns="" val="487017416"/>
                   </a:ext>
                 </a:extLst>
               </a:tr>
@@ -13633,7 +13633,7 @@
                 </a:tc>
                 <a:extLst>
                   <a:ext uri="{0D108BD9-81ED-4DB2-BD59-A6C34878D82A}">
-                    <a16:rowId xmlns="" xmlns:a16="http://schemas.microsoft.com/office/drawing/2014/main" val="3011802642"/>
+                    <a16:rowId xmlns:a16="http://schemas.microsoft.com/office/drawing/2014/main" xmlns="" val="3011802642"/>
                   </a:ext>
                 </a:extLst>
               </a:tr>
@@ -13806,7 +13806,7 @@
                 </a:tc>
                 <a:extLst>
                   <a:ext uri="{0D108BD9-81ED-4DB2-BD59-A6C34878D82A}">
-                    <a16:rowId xmlns="" xmlns:a16="http://schemas.microsoft.com/office/drawing/2014/main" val="1461059969"/>
+                    <a16:rowId xmlns:a16="http://schemas.microsoft.com/office/drawing/2014/main" xmlns="" val="1461059969"/>
                   </a:ext>
                 </a:extLst>
               </a:tr>
@@ -13996,7 +13996,7 @@
                 </a:tc>
                 <a:extLst>
                   <a:ext uri="{0D108BD9-81ED-4DB2-BD59-A6C34878D82A}">
-                    <a16:rowId xmlns="" xmlns:a16="http://schemas.microsoft.com/office/drawing/2014/main" val="2716740841"/>
+                    <a16:rowId xmlns:a16="http://schemas.microsoft.com/office/drawing/2014/main" xmlns="" val="2716740841"/>
                   </a:ext>
                 </a:extLst>
               </a:tr>
@@ -14186,7 +14186,7 @@
                 </a:tc>
                 <a:extLst>
                   <a:ext uri="{0D108BD9-81ED-4DB2-BD59-A6C34878D82A}">
-                    <a16:rowId xmlns="" xmlns:a16="http://schemas.microsoft.com/office/drawing/2014/main" val="17180173"/>
+                    <a16:rowId xmlns:a16="http://schemas.microsoft.com/office/drawing/2014/main" xmlns="" val="17180173"/>
                   </a:ext>
                 </a:extLst>
               </a:tr>
@@ -14360,7 +14360,7 @@
                 </a:tc>
                 <a:extLst>
                   <a:ext uri="{0D108BD9-81ED-4DB2-BD59-A6C34878D82A}">
-                    <a16:rowId xmlns="" xmlns:a16="http://schemas.microsoft.com/office/drawing/2014/main" val="2297328528"/>
+                    <a16:rowId xmlns:a16="http://schemas.microsoft.com/office/drawing/2014/main" xmlns="" val="2297328528"/>
                   </a:ext>
                 </a:extLst>
               </a:tr>
@@ -14573,7 +14573,7 @@
                 </a:tc>
                 <a:extLst>
                   <a:ext uri="{0D108BD9-81ED-4DB2-BD59-A6C34878D82A}">
-                    <a16:rowId xmlns="" xmlns:a16="http://schemas.microsoft.com/office/drawing/2014/main" val="977834293"/>
+                    <a16:rowId xmlns:a16="http://schemas.microsoft.com/office/drawing/2014/main" xmlns="" val="977834293"/>
                   </a:ext>
                 </a:extLst>
               </a:tr>
@@ -14586,7 +14586,7 @@
           <p:cNvPr id="8" name="직사각형 7">
             <a:extLst>
               <a:ext uri="{FF2B5EF4-FFF2-40B4-BE49-F238E27FC236}">
-                <a16:creationId xmlns="" xmlns:a16="http://schemas.microsoft.com/office/drawing/2014/main" id="{FEA43D6E-ED6E-4769-BDD0-813ED539A8B7}"/>
+                <a16:creationId xmlns:a16="http://schemas.microsoft.com/office/drawing/2014/main" xmlns="" id="{FEA43D6E-ED6E-4769-BDD0-813ED539A8B7}"/>
               </a:ext>
             </a:extLst>
           </p:cNvPr>
@@ -14702,7 +14702,7 @@
           <p:cNvPr id="10" name="그림 9">
             <a:extLst>
               <a:ext uri="{FF2B5EF4-FFF2-40B4-BE49-F238E27FC236}">
-                <a16:creationId xmlns="" xmlns:a16="http://schemas.microsoft.com/office/drawing/2014/main" id="{EA7B6C47-F0DB-46FE-A11B-4E1CCD3CE840}"/>
+                <a16:creationId xmlns:a16="http://schemas.microsoft.com/office/drawing/2014/main" xmlns="" id="{EA7B6C47-F0DB-46FE-A11B-4E1CCD3CE840}"/>
               </a:ext>
             </a:extLst>
           </p:cNvPr>
@@ -14744,7 +14744,7 @@
     </p:spTree>
     <p:extLst>
       <p:ext uri="{BB962C8B-B14F-4D97-AF65-F5344CB8AC3E}">
-        <p14:creationId xmlns="" xmlns:p14="http://schemas.microsoft.com/office/powerpoint/2010/main" val="3168494829"/>
+        <p14:creationId xmlns:p14="http://schemas.microsoft.com/office/powerpoint/2010/main" xmlns="" val="3168494829"/>
       </p:ext>
     </p:extLst>
   </p:cSld>
@@ -14938,7 +14938,7 @@
           <p:cNvPr id="7" name="TextBox 6">
             <a:extLst>
               <a:ext uri="{FF2B5EF4-FFF2-40B4-BE49-F238E27FC236}">
-                <a16:creationId xmlns:a16="http://schemas.microsoft.com/office/drawing/2014/main" xmlns="" id="{D521CD57-7D52-4085-AA67-6293BD236F8A}"/>
+                <a16:creationId xmlns="" xmlns:a16="http://schemas.microsoft.com/office/drawing/2014/main" id="{D521CD57-7D52-4085-AA67-6293BD236F8A}"/>
               </a:ext>
             </a:extLst>
           </p:cNvPr>
@@ -15263,7 +15263,7 @@
     </p:spTree>
     <p:extLst>
       <p:ext uri="{BB962C8B-B14F-4D97-AF65-F5344CB8AC3E}">
-        <p14:creationId xmlns="" xmlns:p14="http://schemas.microsoft.com/office/powerpoint/2010/main" val="3168494829"/>
+        <p14:creationId xmlns:p14="http://schemas.microsoft.com/office/powerpoint/2010/main" xmlns="" val="3168494829"/>
       </p:ext>
     </p:extLst>
   </p:cSld>
@@ -15310,7 +15310,7 @@
           <a:blip r:embed="rId2" cstate="print">
             <a:extLst>
               <a:ext uri="{28A0092B-C50C-407E-A947-70E740481C1C}">
-                <a14:useLocalDpi xmlns="" xmlns:a14="http://schemas.microsoft.com/office/drawing/2010/main" val="0"/>
+                <a14:useLocalDpi xmlns:a14="http://schemas.microsoft.com/office/drawing/2010/main" xmlns="" val="0"/>
               </a:ext>
             </a:extLst>
           </a:blip>
@@ -16178,7 +16178,7 @@
     </p:spTree>
     <p:extLst>
       <p:ext uri="{BB962C8B-B14F-4D97-AF65-F5344CB8AC3E}">
-        <p14:creationId xmlns="" xmlns:p14="http://schemas.microsoft.com/office/powerpoint/2010/main" val="2240109207"/>
+        <p14:creationId xmlns:p14="http://schemas.microsoft.com/office/powerpoint/2010/main" xmlns="" val="2240109207"/>
       </p:ext>
     </p:extLst>
   </p:cSld>
@@ -16760,7 +16760,7 @@
     </p:spTree>
     <p:extLst>
       <p:ext uri="{BB962C8B-B14F-4D97-AF65-F5344CB8AC3E}">
-        <p14:creationId xmlns="" xmlns:p14="http://schemas.microsoft.com/office/powerpoint/2010/main" val="2689856561"/>
+        <p14:creationId xmlns:p14="http://schemas.microsoft.com/office/powerpoint/2010/main" xmlns="" val="2689856561"/>
       </p:ext>
     </p:extLst>
   </p:cSld>
@@ -17131,7 +17131,7 @@
     </p:spTree>
     <p:extLst>
       <p:ext uri="{BB962C8B-B14F-4D97-AF65-F5344CB8AC3E}">
-        <p14:creationId xmlns="" xmlns:p14="http://schemas.microsoft.com/office/powerpoint/2010/main" val="3168494829"/>
+        <p14:creationId xmlns:p14="http://schemas.microsoft.com/office/powerpoint/2010/main" xmlns="" val="3168494829"/>
       </p:ext>
     </p:extLst>
   </p:cSld>
@@ -17420,7 +17420,7 @@
     </p:spTree>
     <p:extLst>
       <p:ext uri="{BB962C8B-B14F-4D97-AF65-F5344CB8AC3E}">
-        <p14:creationId xmlns="" xmlns:p14="http://schemas.microsoft.com/office/powerpoint/2010/main" val="3168494829"/>
+        <p14:creationId xmlns:p14="http://schemas.microsoft.com/office/powerpoint/2010/main" xmlns="" val="3168494829"/>
       </p:ext>
     </p:extLst>
   </p:cSld>
@@ -17775,7 +17775,7 @@
     </p:spTree>
     <p:extLst>
       <p:ext uri="{BB962C8B-B14F-4D97-AF65-F5344CB8AC3E}">
-        <p14:creationId xmlns="" xmlns:p14="http://schemas.microsoft.com/office/powerpoint/2010/main" val="3168494829"/>
+        <p14:creationId xmlns:p14="http://schemas.microsoft.com/office/powerpoint/2010/main" xmlns="" val="3168494829"/>
       </p:ext>
     </p:extLst>
   </p:cSld>
@@ -18104,7 +18104,7 @@
     </p:spTree>
     <p:extLst>
       <p:ext uri="{BB962C8B-B14F-4D97-AF65-F5344CB8AC3E}">
-        <p14:creationId xmlns="" xmlns:p14="http://schemas.microsoft.com/office/powerpoint/2010/main" val="3168494829"/>
+        <p14:creationId xmlns:p14="http://schemas.microsoft.com/office/powerpoint/2010/main" xmlns="" val="3168494829"/>
       </p:ext>
     </p:extLst>
   </p:cSld>
@@ -19484,7 +19484,7 @@
     </p:spTree>
     <p:extLst>
       <p:ext uri="{BB962C8B-B14F-4D97-AF65-F5344CB8AC3E}">
-        <p14:creationId xmlns="" xmlns:p14="http://schemas.microsoft.com/office/powerpoint/2010/main" val="3168494829"/>
+        <p14:creationId xmlns:p14="http://schemas.microsoft.com/office/powerpoint/2010/main" xmlns="" val="3168494829"/>
       </p:ext>
     </p:extLst>
   </p:cSld>
@@ -19783,7 +19783,7 @@
     </p:spTree>
     <p:extLst>
       <p:ext uri="{BB962C8B-B14F-4D97-AF65-F5344CB8AC3E}">
-        <p14:creationId xmlns="" xmlns:p14="http://schemas.microsoft.com/office/powerpoint/2010/main" val="3168494829"/>
+        <p14:creationId xmlns:p14="http://schemas.microsoft.com/office/powerpoint/2010/main" xmlns="" val="3168494829"/>
       </p:ext>
     </p:extLst>
   </p:cSld>
@@ -20237,7 +20237,7 @@
     </p:spTree>
     <p:extLst>
       <p:ext uri="{BB962C8B-B14F-4D97-AF65-F5344CB8AC3E}">
-        <p14:creationId xmlns="" xmlns:p14="http://schemas.microsoft.com/office/powerpoint/2010/main" val="3168494829"/>
+        <p14:creationId xmlns:p14="http://schemas.microsoft.com/office/powerpoint/2010/main" xmlns="" val="3168494829"/>
       </p:ext>
     </p:extLst>
   </p:cSld>
@@ -20757,7 +20757,7 @@
     </p:spTree>
     <p:extLst>
       <p:ext uri="{BB962C8B-B14F-4D97-AF65-F5344CB8AC3E}">
-        <p14:creationId xmlns="" xmlns:p14="http://schemas.microsoft.com/office/powerpoint/2010/main" val="3168494829"/>
+        <p14:creationId xmlns:p14="http://schemas.microsoft.com/office/powerpoint/2010/main" xmlns="" val="3168494829"/>
       </p:ext>
     </p:extLst>
   </p:cSld>
@@ -21110,7 +21110,7 @@
     </p:spTree>
     <p:extLst>
       <p:ext uri="{BB962C8B-B14F-4D97-AF65-F5344CB8AC3E}">
-        <p14:creationId xmlns="" xmlns:p14="http://schemas.microsoft.com/office/powerpoint/2010/main" val="3168494829"/>
+        <p14:creationId xmlns:p14="http://schemas.microsoft.com/office/powerpoint/2010/main" xmlns="" val="3168494829"/>
       </p:ext>
     </p:extLst>
   </p:cSld>
@@ -21692,7 +21692,7 @@
     </p:spTree>
     <p:extLst>
       <p:ext uri="{BB962C8B-B14F-4D97-AF65-F5344CB8AC3E}">
-        <p14:creationId xmlns="" xmlns:p14="http://schemas.microsoft.com/office/powerpoint/2010/main" val="2689856561"/>
+        <p14:creationId xmlns:p14="http://schemas.microsoft.com/office/powerpoint/2010/main" xmlns="" val="2689856561"/>
       </p:ext>
     </p:extLst>
   </p:cSld>
@@ -21999,7 +21999,7 @@
     </p:spTree>
     <p:extLst>
       <p:ext uri="{BB962C8B-B14F-4D97-AF65-F5344CB8AC3E}">
-        <p14:creationId xmlns="" xmlns:p14="http://schemas.microsoft.com/office/powerpoint/2010/main" val="3168494829"/>
+        <p14:creationId xmlns:p14="http://schemas.microsoft.com/office/powerpoint/2010/main" xmlns="" val="3168494829"/>
       </p:ext>
     </p:extLst>
   </p:cSld>
@@ -22688,7 +22688,7 @@
     </p:spTree>
     <p:extLst>
       <p:ext uri="{BB962C8B-B14F-4D97-AF65-F5344CB8AC3E}">
-        <p14:creationId xmlns="" xmlns:p14="http://schemas.microsoft.com/office/powerpoint/2010/main" val="3168494829"/>
+        <p14:creationId xmlns:p14="http://schemas.microsoft.com/office/powerpoint/2010/main" xmlns="" val="3168494829"/>
       </p:ext>
     </p:extLst>
   </p:cSld>
@@ -23284,7 +23284,7 @@
     </p:spTree>
     <p:extLst>
       <p:ext uri="{BB962C8B-B14F-4D97-AF65-F5344CB8AC3E}">
-        <p14:creationId xmlns="" xmlns:p14="http://schemas.microsoft.com/office/powerpoint/2010/main" val="2689856561"/>
+        <p14:creationId xmlns:p14="http://schemas.microsoft.com/office/powerpoint/2010/main" xmlns="" val="2689856561"/>
       </p:ext>
     </p:extLst>
   </p:cSld>
@@ -23663,7 +23663,7 @@
     </p:spTree>
     <p:extLst>
       <p:ext uri="{BB962C8B-B14F-4D97-AF65-F5344CB8AC3E}">
-        <p14:creationId xmlns="" xmlns:p14="http://schemas.microsoft.com/office/powerpoint/2010/main" val="4243785115"/>
+        <p14:creationId xmlns:p14="http://schemas.microsoft.com/office/powerpoint/2010/main" xmlns="" val="4243785115"/>
       </p:ext>
     </p:extLst>
   </p:cSld>
@@ -24313,7 +24313,7 @@
     </p:spTree>
     <p:extLst>
       <p:ext uri="{BB962C8B-B14F-4D97-AF65-F5344CB8AC3E}">
-        <p14:creationId xmlns="" xmlns:p14="http://schemas.microsoft.com/office/powerpoint/2010/main" val="3168494829"/>
+        <p14:creationId xmlns:p14="http://schemas.microsoft.com/office/powerpoint/2010/main" xmlns="" val="3168494829"/>
       </p:ext>
     </p:extLst>
   </p:cSld>
@@ -24801,7 +24801,7 @@
     </p:spTree>
     <p:extLst>
       <p:ext uri="{BB962C8B-B14F-4D97-AF65-F5344CB8AC3E}">
-        <p14:creationId xmlns="" xmlns:p14="http://schemas.microsoft.com/office/powerpoint/2010/main" val="3168494829"/>
+        <p14:creationId xmlns:p14="http://schemas.microsoft.com/office/powerpoint/2010/main" xmlns="" val="3168494829"/>
       </p:ext>
     </p:extLst>
   </p:cSld>
@@ -25311,7 +25311,7 @@
     </p:spTree>
     <p:extLst>
       <p:ext uri="{BB962C8B-B14F-4D97-AF65-F5344CB8AC3E}">
-        <p14:creationId xmlns="" xmlns:p14="http://schemas.microsoft.com/office/powerpoint/2010/main" val="3168494829"/>
+        <p14:creationId xmlns:p14="http://schemas.microsoft.com/office/powerpoint/2010/main" xmlns="" val="3168494829"/>
       </p:ext>
     </p:extLst>
   </p:cSld>
@@ -25576,7 +25576,7 @@
         <p:spPr>
           <a:xfrm>
             <a:off x="7755654" y="1824984"/>
-            <a:ext cx="4436346" cy="1754326"/>
+            <a:ext cx="4436346" cy="1200329"/>
           </a:xfrm>
           <a:prstGeom prst="rect">
             <a:avLst/>
@@ -25687,69 +25687,6 @@
           </a:p>
           <a:p>
             <a:endParaRPr lang="en-US" altLang="ko-KR" b="1" dirty="0" smtClean="0">
-              <a:solidFill>
-                <a:schemeClr val="accent4"/>
-              </a:solidFill>
-            </a:endParaRPr>
-          </a:p>
-          <a:p>
-            <a:r>
-              <a:rPr lang="en-US" altLang="ko-KR" b="1" dirty="0" smtClean="0">
-                <a:solidFill>
-                  <a:schemeClr val="accent4"/>
-                </a:solidFill>
-              </a:rPr>
-              <a:t>(</a:t>
-            </a:r>
-            <a:r>
-              <a:rPr lang="ko-KR" altLang="en-US" b="1" dirty="0" smtClean="0">
-                <a:solidFill>
-                  <a:schemeClr val="accent4"/>
-                </a:solidFill>
-              </a:rPr>
-              <a:t>설계사마다</a:t>
-            </a:r>
-            <a:r>
-              <a:rPr lang="en-US" altLang="ko-KR" b="1" dirty="0" smtClean="0">
-                <a:solidFill>
-                  <a:schemeClr val="accent4"/>
-                </a:solidFill>
-              </a:rPr>
-              <a:t>, </a:t>
-            </a:r>
-            <a:r>
-              <a:rPr lang="ko-KR" altLang="en-US" b="1" dirty="0" smtClean="0">
-                <a:solidFill>
-                  <a:schemeClr val="accent4"/>
-                </a:solidFill>
-              </a:rPr>
-              <a:t>구조평면도에 </a:t>
-            </a:r>
-            <a:r>
-              <a:rPr lang="en-US" altLang="ko-KR" b="1" dirty="0" smtClean="0">
-                <a:solidFill>
-                  <a:schemeClr val="accent4"/>
-                </a:solidFill>
-              </a:rPr>
-              <a:t>1B1</a:t>
-            </a:r>
-            <a:r>
-              <a:rPr lang="ko-KR" altLang="en-US" b="1" dirty="0" smtClean="0">
-                <a:solidFill>
-                  <a:schemeClr val="accent4"/>
-                </a:solidFill>
-              </a:rPr>
-              <a:t>이라고 적혀있는경우도 있다</a:t>
-            </a:r>
-            <a:r>
-              <a:rPr lang="en-US" altLang="ko-KR" b="1" dirty="0" smtClean="0">
-                <a:solidFill>
-                  <a:schemeClr val="accent4"/>
-                </a:solidFill>
-              </a:rPr>
-              <a:t>.)</a:t>
-            </a:r>
-            <a:endParaRPr lang="ko-KR" altLang="en-US" b="1" dirty="0">
               <a:solidFill>
                 <a:schemeClr val="accent4"/>
               </a:solidFill>
@@ -26323,7 +26260,7 @@
     </p:spTree>
     <p:extLst>
       <p:ext uri="{BB962C8B-B14F-4D97-AF65-F5344CB8AC3E}">
-        <p14:creationId xmlns="" xmlns:p14="http://schemas.microsoft.com/office/powerpoint/2010/main" val="3168494829"/>
+        <p14:creationId xmlns:p14="http://schemas.microsoft.com/office/powerpoint/2010/main" xmlns="" val="3168494829"/>
       </p:ext>
     </p:extLst>
   </p:cSld>
@@ -26920,7 +26857,7 @@
     </p:spTree>
     <p:extLst>
       <p:ext uri="{BB962C8B-B14F-4D97-AF65-F5344CB8AC3E}">
-        <p14:creationId xmlns="" xmlns:p14="http://schemas.microsoft.com/office/powerpoint/2010/main" val="3168494829"/>
+        <p14:creationId xmlns:p14="http://schemas.microsoft.com/office/powerpoint/2010/main" xmlns="" val="3168494829"/>
       </p:ext>
     </p:extLst>
   </p:cSld>
@@ -27971,7 +27908,7 @@
     </p:spTree>
     <p:extLst>
       <p:ext uri="{BB962C8B-B14F-4D97-AF65-F5344CB8AC3E}">
-        <p14:creationId xmlns="" xmlns:p14="http://schemas.microsoft.com/office/powerpoint/2010/main" val="3168494829"/>
+        <p14:creationId xmlns:p14="http://schemas.microsoft.com/office/powerpoint/2010/main" xmlns="" val="3168494829"/>
       </p:ext>
     </p:extLst>
   </p:cSld>
@@ -28209,7 +28146,7 @@
   <a:extraClrSchemeLst/>
   <a:extLst>
     <a:ext uri="{05A4C25C-085E-4340-85A3-A5531E510DB2}">
-      <thm15:themeFamily xmlns="" xmlns:thm15="http://schemas.microsoft.com/office/thememl/2012/main" name="Office Theme" id="{62F939B6-93AF-4DB8-9C6B-D6C7DFDC589F}" vid="{4A3C46E8-61CC-4603-A589-7422A47A8E4A}"/>
+      <thm15:themeFamily xmlns:thm15="http://schemas.microsoft.com/office/thememl/2012/main" xmlns="" name="Office Theme" id="{62F939B6-93AF-4DB8-9C6B-D6C7DFDC589F}" vid="{4A3C46E8-61CC-4603-A589-7422A47A8E4A}"/>
     </a:ext>
   </a:extLst>
 </a:theme>
